--- a/lesson07.pptx
+++ b/lesson07.pptx
@@ -185,16 +185,126 @@
 </p:cmAuthorLst>
 </file>
 
-<file path=ppt/revisionInfo.xml><?xml version="1.0" encoding="utf-8"?>
-<p1510:revInfo xmlns:a="http://schemas.openxmlformats.org/drawingml/2006/main" xmlns:r="http://schemas.openxmlformats.org/officeDocument/2006/relationships" xmlns:p1510="http://schemas.microsoft.com/office/powerpoint/2015/10/main">
-  <p1510:revLst>
-    <p1510:client id="{070E6A08-B3AF-4E6D-9623-4B4462886D20}" v="4" dt="2022-02-12T10:22:32.759"/>
-  </p1510:revLst>
-</p1510:revInfo>
-</file>
-
 <file path=ppt/changesInfos/changesInfo1.xml><?xml version="1.0" encoding="utf-8"?>
 <pc:chgInfo xmlns:a="http://schemas.openxmlformats.org/drawingml/2006/main" xmlns:r="http://schemas.openxmlformats.org/officeDocument/2006/relationships" xmlns:ac="http://schemas.microsoft.com/office/drawing/2013/main/command" xmlns:pc="http://schemas.microsoft.com/office/powerpoint/2013/main/command">
+  <pc:docChgLst>
+    <pc:chgData name="Anatoliy Kigel" userId="7432c6c4687b0a9c" providerId="LiveId" clId="{070E6A08-B3AF-4E6D-9623-4B4462886D20}"/>
+    <pc:docChg chg="undo custSel modSld">
+      <pc:chgData name="Anatoliy Kigel" userId="7432c6c4687b0a9c" providerId="LiveId" clId="{070E6A08-B3AF-4E6D-9623-4B4462886D20}" dt="2022-02-12T10:22:51.644" v="22" actId="1076"/>
+      <pc:docMkLst>
+        <pc:docMk/>
+      </pc:docMkLst>
+      <pc:sldChg chg="modSp mod">
+        <pc:chgData name="Anatoliy Kigel" userId="7432c6c4687b0a9c" providerId="LiveId" clId="{070E6A08-B3AF-4E6D-9623-4B4462886D20}" dt="2022-02-12T10:14:46.409" v="5" actId="6549"/>
+        <pc:sldMkLst>
+          <pc:docMk/>
+          <pc:sldMk cId="2455653677" sldId="353"/>
+        </pc:sldMkLst>
+        <pc:spChg chg="mod">
+          <ac:chgData name="Anatoliy Kigel" userId="7432c6c4687b0a9c" providerId="LiveId" clId="{070E6A08-B3AF-4E6D-9623-4B4462886D20}" dt="2022-02-12T10:14:46.409" v="5" actId="6549"/>
+          <ac:spMkLst>
+            <pc:docMk/>
+            <pc:sldMk cId="2455653677" sldId="353"/>
+            <ac:spMk id="7" creationId="{00000000-0000-0000-0000-000000000000}"/>
+          </ac:spMkLst>
+        </pc:spChg>
+      </pc:sldChg>
+      <pc:sldChg chg="addSp delSp modSp mod">
+        <pc:chgData name="Anatoliy Kigel" userId="7432c6c4687b0a9c" providerId="LiveId" clId="{070E6A08-B3AF-4E6D-9623-4B4462886D20}" dt="2022-02-12T10:22:51.644" v="22" actId="1076"/>
+        <pc:sldMkLst>
+          <pc:docMk/>
+          <pc:sldMk cId="879739866" sldId="356"/>
+        </pc:sldMkLst>
+        <pc:spChg chg="mod">
+          <ac:chgData name="Anatoliy Kigel" userId="7432c6c4687b0a9c" providerId="LiveId" clId="{070E6A08-B3AF-4E6D-9623-4B4462886D20}" dt="2022-02-12T10:22:51.644" v="22" actId="1076"/>
+          <ac:spMkLst>
+            <pc:docMk/>
+            <pc:sldMk cId="879739866" sldId="356"/>
+            <ac:spMk id="10" creationId="{00000000-0000-0000-0000-000000000000}"/>
+          </ac:spMkLst>
+        </pc:spChg>
+        <pc:grpChg chg="del">
+          <ac:chgData name="Anatoliy Kigel" userId="7432c6c4687b0a9c" providerId="LiveId" clId="{070E6A08-B3AF-4E6D-9623-4B4462886D20}" dt="2022-02-12T10:22:32.109" v="14" actId="478"/>
+          <ac:grpSpMkLst>
+            <pc:docMk/>
+            <pc:sldMk cId="879739866" sldId="356"/>
+            <ac:grpSpMk id="3" creationId="{00000000-0000-0000-0000-000000000000}"/>
+          </ac:grpSpMkLst>
+        </pc:grpChg>
+        <pc:grpChg chg="add mod">
+          <ac:chgData name="Anatoliy Kigel" userId="7432c6c4687b0a9c" providerId="LiveId" clId="{070E6A08-B3AF-4E6D-9623-4B4462886D20}" dt="2022-02-12T10:22:49.287" v="21" actId="1076"/>
+          <ac:grpSpMkLst>
+            <pc:docMk/>
+            <pc:sldMk cId="879739866" sldId="356"/>
+            <ac:grpSpMk id="9" creationId="{A203334E-6B55-452B-A97D-C90923A141C6}"/>
+          </ac:grpSpMkLst>
+        </pc:grpChg>
+        <pc:picChg chg="del topLvl">
+          <ac:chgData name="Anatoliy Kigel" userId="7432c6c4687b0a9c" providerId="LiveId" clId="{070E6A08-B3AF-4E6D-9623-4B4462886D20}" dt="2022-02-12T10:22:32.109" v="14" actId="478"/>
+          <ac:picMkLst>
+            <pc:docMk/>
+            <pc:sldMk cId="879739866" sldId="356"/>
+            <ac:picMk id="2" creationId="{00000000-0000-0000-0000-000000000000}"/>
+          </ac:picMkLst>
+        </pc:picChg>
+        <pc:picChg chg="topLvl">
+          <ac:chgData name="Anatoliy Kigel" userId="7432c6c4687b0a9c" providerId="LiveId" clId="{070E6A08-B3AF-4E6D-9623-4B4462886D20}" dt="2022-02-12T10:22:32.109" v="14" actId="478"/>
+          <ac:picMkLst>
+            <pc:docMk/>
+            <pc:sldMk cId="879739866" sldId="356"/>
+            <ac:picMk id="11" creationId="{00000000-0000-0000-0000-000000000000}"/>
+          </ac:picMkLst>
+        </pc:picChg>
+        <pc:picChg chg="mod">
+          <ac:chgData name="Anatoliy Kigel" userId="7432c6c4687b0a9c" providerId="LiveId" clId="{070E6A08-B3AF-4E6D-9623-4B4462886D20}" dt="2022-02-12T10:22:32.758" v="15"/>
+          <ac:picMkLst>
+            <pc:docMk/>
+            <pc:sldMk cId="879739866" sldId="356"/>
+            <ac:picMk id="12" creationId="{3C28BD69-7CF0-49B3-940F-690F687E6723}"/>
+          </ac:picMkLst>
+        </pc:picChg>
+        <pc:picChg chg="mod">
+          <ac:chgData name="Anatoliy Kigel" userId="7432c6c4687b0a9c" providerId="LiveId" clId="{070E6A08-B3AF-4E6D-9623-4B4462886D20}" dt="2022-02-12T10:22:32.758" v="15"/>
+          <ac:picMkLst>
+            <pc:docMk/>
+            <pc:sldMk cId="879739866" sldId="356"/>
+            <ac:picMk id="13" creationId="{E70933E4-5F19-4CF6-B109-0050B53C34E4}"/>
+          </ac:picMkLst>
+        </pc:picChg>
+      </pc:sldChg>
+      <pc:sldChg chg="addSp modSp mod">
+        <pc:chgData name="Anatoliy Kigel" userId="7432c6c4687b0a9c" providerId="LiveId" clId="{070E6A08-B3AF-4E6D-9623-4B4462886D20}" dt="2022-02-12T10:22:25.877" v="13" actId="164"/>
+        <pc:sldMkLst>
+          <pc:docMk/>
+          <pc:sldMk cId="635824752" sldId="357"/>
+        </pc:sldMkLst>
+        <pc:grpChg chg="add mod">
+          <ac:chgData name="Anatoliy Kigel" userId="7432c6c4687b0a9c" providerId="LiveId" clId="{070E6A08-B3AF-4E6D-9623-4B4462886D20}" dt="2022-02-12T10:22:25.877" v="13" actId="164"/>
+          <ac:grpSpMkLst>
+            <pc:docMk/>
+            <pc:sldMk cId="635824752" sldId="357"/>
+            <ac:grpSpMk id="5" creationId="{AACB053B-D153-4535-83EA-E78D07AA7BD1}"/>
+          </ac:grpSpMkLst>
+        </pc:grpChg>
+        <pc:picChg chg="add mod">
+          <ac:chgData name="Anatoliy Kigel" userId="7432c6c4687b0a9c" providerId="LiveId" clId="{070E6A08-B3AF-4E6D-9623-4B4462886D20}" dt="2022-02-12T10:22:25.877" v="13" actId="164"/>
+          <ac:picMkLst>
+            <pc:docMk/>
+            <pc:sldMk cId="635824752" sldId="357"/>
+            <ac:picMk id="3" creationId="{37D04E07-833F-4DF7-B358-8E91B9E0A8D2}"/>
+          </ac:picMkLst>
+        </pc:picChg>
+        <pc:picChg chg="mod">
+          <ac:chgData name="Anatoliy Kigel" userId="7432c6c4687b0a9c" providerId="LiveId" clId="{070E6A08-B3AF-4E6D-9623-4B4462886D20}" dt="2022-02-12T10:22:25.877" v="13" actId="164"/>
+          <ac:picMkLst>
+            <pc:docMk/>
+            <pc:sldMk cId="635824752" sldId="357"/>
+            <ac:picMk id="25" creationId="{00000000-0000-0000-0000-000000000000}"/>
+          </ac:picMkLst>
+        </pc:picChg>
+      </pc:sldChg>
+    </pc:docChg>
+  </pc:docChgLst>
   <pc:docChgLst>
     <pc:chgData name="Anatoliy Kigel" userId="7432c6c4687b0a9c" providerId="LiveId" clId="{5A4258C7-62B4-45E1-AFCA-183FB17BEDFE}"/>
     <pc:docChg chg="delSld modSld modSection">
@@ -403,6 +513,30 @@
     </pc:docChg>
   </pc:docChgLst>
   <pc:docChgLst>
+    <pc:chgData name="Anatoliy Kigel" userId="7432c6c4687b0a9c" providerId="LiveId" clId="{BF90032C-DA69-463A-A2B4-5DC36E486E60}"/>
+    <pc:docChg chg="custSel modSld">
+      <pc:chgData name="Anatoliy Kigel" userId="7432c6c4687b0a9c" providerId="LiveId" clId="{BF90032C-DA69-463A-A2B4-5DC36E486E60}" dt="2022-06-23T15:53:57.738" v="0" actId="478"/>
+      <pc:docMkLst>
+        <pc:docMk/>
+      </pc:docMkLst>
+      <pc:sldChg chg="delSp mod">
+        <pc:chgData name="Anatoliy Kigel" userId="7432c6c4687b0a9c" providerId="LiveId" clId="{BF90032C-DA69-463A-A2B4-5DC36E486E60}" dt="2022-06-23T15:53:57.738" v="0" actId="478"/>
+        <pc:sldMkLst>
+          <pc:docMk/>
+          <pc:sldMk cId="3548138987" sldId="330"/>
+        </pc:sldMkLst>
+        <pc:spChg chg="del">
+          <ac:chgData name="Anatoliy Kigel" userId="7432c6c4687b0a9c" providerId="LiveId" clId="{BF90032C-DA69-463A-A2B4-5DC36E486E60}" dt="2022-06-23T15:53:57.738" v="0" actId="478"/>
+          <ac:spMkLst>
+            <pc:docMk/>
+            <pc:sldMk cId="3548138987" sldId="330"/>
+            <ac:spMk id="3" creationId="{00000000-0000-0000-0000-000000000000}"/>
+          </ac:spMkLst>
+        </pc:spChg>
+      </pc:sldChg>
+    </pc:docChg>
+  </pc:docChgLst>
+  <pc:docChgLst>
     <pc:chgData name="Anatoliy Kigel" userId="7432c6c4687b0a9c" providerId="LiveId" clId="{61FB7922-9EE8-4C1D-97E6-D89743006F97}"/>
     <pc:docChg chg="modSld">
       <pc:chgData name="Anatoliy Kigel" userId="7432c6c4687b0a9c" providerId="LiveId" clId="{61FB7922-9EE8-4C1D-97E6-D89743006F97}" dt="2021-02-23T07:32:54.092" v="21" actId="113"/>
@@ -423,124 +557,6 @@
             <ac:spMk id="11" creationId="{00000000-0000-0000-0000-000000000000}"/>
           </ac:spMkLst>
         </pc:spChg>
-      </pc:sldChg>
-    </pc:docChg>
-  </pc:docChgLst>
-  <pc:docChgLst>
-    <pc:chgData name="Anatoliy Kigel" userId="7432c6c4687b0a9c" providerId="LiveId" clId="{070E6A08-B3AF-4E6D-9623-4B4462886D20}"/>
-    <pc:docChg chg="undo custSel modSld">
-      <pc:chgData name="Anatoliy Kigel" userId="7432c6c4687b0a9c" providerId="LiveId" clId="{070E6A08-B3AF-4E6D-9623-4B4462886D20}" dt="2022-02-12T10:22:51.644" v="22" actId="1076"/>
-      <pc:docMkLst>
-        <pc:docMk/>
-      </pc:docMkLst>
-      <pc:sldChg chg="modSp mod">
-        <pc:chgData name="Anatoliy Kigel" userId="7432c6c4687b0a9c" providerId="LiveId" clId="{070E6A08-B3AF-4E6D-9623-4B4462886D20}" dt="2022-02-12T10:14:46.409" v="5" actId="6549"/>
-        <pc:sldMkLst>
-          <pc:docMk/>
-          <pc:sldMk cId="2455653677" sldId="353"/>
-        </pc:sldMkLst>
-        <pc:spChg chg="mod">
-          <ac:chgData name="Anatoliy Kigel" userId="7432c6c4687b0a9c" providerId="LiveId" clId="{070E6A08-B3AF-4E6D-9623-4B4462886D20}" dt="2022-02-12T10:14:46.409" v="5" actId="6549"/>
-          <ac:spMkLst>
-            <pc:docMk/>
-            <pc:sldMk cId="2455653677" sldId="353"/>
-            <ac:spMk id="7" creationId="{00000000-0000-0000-0000-000000000000}"/>
-          </ac:spMkLst>
-        </pc:spChg>
-      </pc:sldChg>
-      <pc:sldChg chg="addSp delSp modSp mod">
-        <pc:chgData name="Anatoliy Kigel" userId="7432c6c4687b0a9c" providerId="LiveId" clId="{070E6A08-B3AF-4E6D-9623-4B4462886D20}" dt="2022-02-12T10:22:51.644" v="22" actId="1076"/>
-        <pc:sldMkLst>
-          <pc:docMk/>
-          <pc:sldMk cId="879739866" sldId="356"/>
-        </pc:sldMkLst>
-        <pc:spChg chg="mod">
-          <ac:chgData name="Anatoliy Kigel" userId="7432c6c4687b0a9c" providerId="LiveId" clId="{070E6A08-B3AF-4E6D-9623-4B4462886D20}" dt="2022-02-12T10:22:51.644" v="22" actId="1076"/>
-          <ac:spMkLst>
-            <pc:docMk/>
-            <pc:sldMk cId="879739866" sldId="356"/>
-            <ac:spMk id="10" creationId="{00000000-0000-0000-0000-000000000000}"/>
-          </ac:spMkLst>
-        </pc:spChg>
-        <pc:grpChg chg="del">
-          <ac:chgData name="Anatoliy Kigel" userId="7432c6c4687b0a9c" providerId="LiveId" clId="{070E6A08-B3AF-4E6D-9623-4B4462886D20}" dt="2022-02-12T10:22:32.109" v="14" actId="478"/>
-          <ac:grpSpMkLst>
-            <pc:docMk/>
-            <pc:sldMk cId="879739866" sldId="356"/>
-            <ac:grpSpMk id="3" creationId="{00000000-0000-0000-0000-000000000000}"/>
-          </ac:grpSpMkLst>
-        </pc:grpChg>
-        <pc:grpChg chg="add mod">
-          <ac:chgData name="Anatoliy Kigel" userId="7432c6c4687b0a9c" providerId="LiveId" clId="{070E6A08-B3AF-4E6D-9623-4B4462886D20}" dt="2022-02-12T10:22:49.287" v="21" actId="1076"/>
-          <ac:grpSpMkLst>
-            <pc:docMk/>
-            <pc:sldMk cId="879739866" sldId="356"/>
-            <ac:grpSpMk id="9" creationId="{A203334E-6B55-452B-A97D-C90923A141C6}"/>
-          </ac:grpSpMkLst>
-        </pc:grpChg>
-        <pc:picChg chg="del topLvl">
-          <ac:chgData name="Anatoliy Kigel" userId="7432c6c4687b0a9c" providerId="LiveId" clId="{070E6A08-B3AF-4E6D-9623-4B4462886D20}" dt="2022-02-12T10:22:32.109" v="14" actId="478"/>
-          <ac:picMkLst>
-            <pc:docMk/>
-            <pc:sldMk cId="879739866" sldId="356"/>
-            <ac:picMk id="2" creationId="{00000000-0000-0000-0000-000000000000}"/>
-          </ac:picMkLst>
-        </pc:picChg>
-        <pc:picChg chg="topLvl">
-          <ac:chgData name="Anatoliy Kigel" userId="7432c6c4687b0a9c" providerId="LiveId" clId="{070E6A08-B3AF-4E6D-9623-4B4462886D20}" dt="2022-02-12T10:22:32.109" v="14" actId="478"/>
-          <ac:picMkLst>
-            <pc:docMk/>
-            <pc:sldMk cId="879739866" sldId="356"/>
-            <ac:picMk id="11" creationId="{00000000-0000-0000-0000-000000000000}"/>
-          </ac:picMkLst>
-        </pc:picChg>
-        <pc:picChg chg="mod">
-          <ac:chgData name="Anatoliy Kigel" userId="7432c6c4687b0a9c" providerId="LiveId" clId="{070E6A08-B3AF-4E6D-9623-4B4462886D20}" dt="2022-02-12T10:22:32.758" v="15"/>
-          <ac:picMkLst>
-            <pc:docMk/>
-            <pc:sldMk cId="879739866" sldId="356"/>
-            <ac:picMk id="12" creationId="{3C28BD69-7CF0-49B3-940F-690F687E6723}"/>
-          </ac:picMkLst>
-        </pc:picChg>
-        <pc:picChg chg="mod">
-          <ac:chgData name="Anatoliy Kigel" userId="7432c6c4687b0a9c" providerId="LiveId" clId="{070E6A08-B3AF-4E6D-9623-4B4462886D20}" dt="2022-02-12T10:22:32.758" v="15"/>
-          <ac:picMkLst>
-            <pc:docMk/>
-            <pc:sldMk cId="879739866" sldId="356"/>
-            <ac:picMk id="13" creationId="{E70933E4-5F19-4CF6-B109-0050B53C34E4}"/>
-          </ac:picMkLst>
-        </pc:picChg>
-      </pc:sldChg>
-      <pc:sldChg chg="addSp modSp mod">
-        <pc:chgData name="Anatoliy Kigel" userId="7432c6c4687b0a9c" providerId="LiveId" clId="{070E6A08-B3AF-4E6D-9623-4B4462886D20}" dt="2022-02-12T10:22:25.877" v="13" actId="164"/>
-        <pc:sldMkLst>
-          <pc:docMk/>
-          <pc:sldMk cId="635824752" sldId="357"/>
-        </pc:sldMkLst>
-        <pc:grpChg chg="add mod">
-          <ac:chgData name="Anatoliy Kigel" userId="7432c6c4687b0a9c" providerId="LiveId" clId="{070E6A08-B3AF-4E6D-9623-4B4462886D20}" dt="2022-02-12T10:22:25.877" v="13" actId="164"/>
-          <ac:grpSpMkLst>
-            <pc:docMk/>
-            <pc:sldMk cId="635824752" sldId="357"/>
-            <ac:grpSpMk id="5" creationId="{AACB053B-D153-4535-83EA-E78D07AA7BD1}"/>
-          </ac:grpSpMkLst>
-        </pc:grpChg>
-        <pc:picChg chg="add mod">
-          <ac:chgData name="Anatoliy Kigel" userId="7432c6c4687b0a9c" providerId="LiveId" clId="{070E6A08-B3AF-4E6D-9623-4B4462886D20}" dt="2022-02-12T10:22:25.877" v="13" actId="164"/>
-          <ac:picMkLst>
-            <pc:docMk/>
-            <pc:sldMk cId="635824752" sldId="357"/>
-            <ac:picMk id="3" creationId="{37D04E07-833F-4DF7-B358-8E91B9E0A8D2}"/>
-          </ac:picMkLst>
-        </pc:picChg>
-        <pc:picChg chg="mod">
-          <ac:chgData name="Anatoliy Kigel" userId="7432c6c4687b0a9c" providerId="LiveId" clId="{070E6A08-B3AF-4E6D-9623-4B4462886D20}" dt="2022-02-12T10:22:25.877" v="13" actId="164"/>
-          <ac:picMkLst>
-            <pc:docMk/>
-            <pc:sldMk cId="635824752" sldId="357"/>
-            <ac:picMk id="25" creationId="{00000000-0000-0000-0000-000000000000}"/>
-          </ac:picMkLst>
-        </pc:picChg>
       </pc:sldChg>
     </pc:docChg>
   </pc:docChgLst>
@@ -630,7 +646,7 @@
             <a:fld id="{85522811-C5C6-42D2-A409-F8556720C93F}" type="datetimeFigureOut">
               <a:rPr lang="uk-UA" smtClean="0"/>
               <a:pPr/>
-              <a:t>21.06.2022</a:t>
+              <a:t>23.06.2022</a:t>
             </a:fld>
             <a:endParaRPr lang="uk-UA"/>
           </a:p>
@@ -1175,7 +1191,7 @@
             <a:fld id="{E6FC6B0D-6115-4D7C-8040-9C8E2349BB6E}" type="datetime1">
               <a:rPr lang="uk-UA" smtClean="0"/>
               <a:pPr/>
-              <a:t>21.06.2022</a:t>
+              <a:t>23.06.2022</a:t>
             </a:fld>
             <a:endParaRPr lang="uk-UA"/>
           </a:p>
@@ -1342,7 +1358,7 @@
             <a:fld id="{996367BA-0A39-4DE2-BFC3-D5290044365E}" type="datetime1">
               <a:rPr lang="uk-UA" smtClean="0"/>
               <a:pPr/>
-              <a:t>21.06.2022</a:t>
+              <a:t>23.06.2022</a:t>
             </a:fld>
             <a:endParaRPr lang="uk-UA"/>
           </a:p>
@@ -1519,7 +1535,7 @@
             <a:fld id="{1BD6A67F-6C29-47DC-AF8A-FDB3C787DF70}" type="datetime1">
               <a:rPr lang="uk-UA" smtClean="0"/>
               <a:pPr/>
-              <a:t>21.06.2022</a:t>
+              <a:t>23.06.2022</a:t>
             </a:fld>
             <a:endParaRPr lang="uk-UA"/>
           </a:p>
@@ -1686,7 +1702,7 @@
             <a:fld id="{1657D9C5-7FF1-434F-B56E-9BAD559744E9}" type="datetime1">
               <a:rPr lang="uk-UA" smtClean="0"/>
               <a:pPr/>
-              <a:t>21.06.2022</a:t>
+              <a:t>23.06.2022</a:t>
             </a:fld>
             <a:endParaRPr lang="uk-UA"/>
           </a:p>
@@ -1929,7 +1945,7 @@
             <a:fld id="{2CEB0FC9-DE63-476B-A1A9-BE934D9049F8}" type="datetime1">
               <a:rPr lang="uk-UA" smtClean="0"/>
               <a:pPr/>
-              <a:t>21.06.2022</a:t>
+              <a:t>23.06.2022</a:t>
             </a:fld>
             <a:endParaRPr lang="uk-UA"/>
           </a:p>
@@ -2214,7 +2230,7 @@
             <a:fld id="{F964460F-86E2-4DF6-9D0F-12F5005CF375}" type="datetime1">
               <a:rPr lang="uk-UA" smtClean="0"/>
               <a:pPr/>
-              <a:t>21.06.2022</a:t>
+              <a:t>23.06.2022</a:t>
             </a:fld>
             <a:endParaRPr lang="uk-UA"/>
           </a:p>
@@ -2633,7 +2649,7 @@
             <a:fld id="{C521715E-DDCD-4267-B0A5-2918B6F6768A}" type="datetime1">
               <a:rPr lang="uk-UA" smtClean="0"/>
               <a:pPr/>
-              <a:t>21.06.2022</a:t>
+              <a:t>23.06.2022</a:t>
             </a:fld>
             <a:endParaRPr lang="uk-UA"/>
           </a:p>
@@ -2748,7 +2764,7 @@
             <a:fld id="{9289842C-EB2D-4EBB-A272-2F6A49D9794D}" type="datetime1">
               <a:rPr lang="uk-UA" smtClean="0"/>
               <a:pPr/>
-              <a:t>21.06.2022</a:t>
+              <a:t>23.06.2022</a:t>
             </a:fld>
             <a:endParaRPr lang="uk-UA"/>
           </a:p>
@@ -2840,7 +2856,7 @@
             <a:fld id="{D036F091-B700-4B52-99AC-85D0FD94D904}" type="datetime1">
               <a:rPr lang="uk-UA" smtClean="0"/>
               <a:pPr/>
-              <a:t>21.06.2022</a:t>
+              <a:t>23.06.2022</a:t>
             </a:fld>
             <a:endParaRPr lang="uk-UA"/>
           </a:p>
@@ -3114,7 +3130,7 @@
             <a:fld id="{B35DFABA-3811-4634-B803-2EAC4CD0063B}" type="datetime1">
               <a:rPr lang="uk-UA" smtClean="0"/>
               <a:pPr/>
-              <a:t>21.06.2022</a:t>
+              <a:t>23.06.2022</a:t>
             </a:fld>
             <a:endParaRPr lang="uk-UA"/>
           </a:p>
@@ -3364,7 +3380,7 @@
             <a:fld id="{8A9EA25E-F88E-463A-A119-D1E55A881002}" type="datetime1">
               <a:rPr lang="uk-UA" smtClean="0"/>
               <a:pPr/>
-              <a:t>21.06.2022</a:t>
+              <a:t>23.06.2022</a:t>
             </a:fld>
             <a:endParaRPr lang="uk-UA"/>
           </a:p>
@@ -3574,7 +3590,7 @@
             <a:fld id="{E708ED03-0080-49A2-B709-7DA4ACB3A1C3}" type="datetime1">
               <a:rPr lang="uk-UA" smtClean="0"/>
               <a:pPr/>
-              <a:t>21.06.2022</a:t>
+              <a:t>23.06.2022</a:t>
             </a:fld>
             <a:endParaRPr lang="uk-UA"/>
           </a:p>
@@ -4677,13 +4693,7 @@
               <a:rPr lang="en-US" sz="3200" b="1" dirty="0">
                 <a:hlinkClick r:id="rId2"/>
               </a:rPr>
-              <a:t>https://developer.mozilla.org/ru/docs/Web/CSS/cal</a:t>
-            </a:r>
-            <a:r>
-              <a:rPr lang="en-US" sz="3200" b="1" dirty="0">
-                <a:hlinkClick r:id="rId2"/>
-              </a:rPr>
-              <a:t>c</a:t>
+              <a:t>https://developer.mozilla.org/ru/docs/Web/CSS/calc</a:t>
             </a:r>
             <a:endParaRPr lang="ru-RU" sz="3200" b="1" dirty="0"/>
           </a:p>
@@ -7909,37 +7919,6 @@
           </a:extLst>
         </p:spPr>
       </p:pic>
-      <p:sp>
-        <p:nvSpPr>
-          <p:cNvPr id="3" name="Прямоугольник 2"/>
-          <p:cNvSpPr/>
-          <p:nvPr/>
-        </p:nvSpPr>
-        <p:spPr>
-          <a:xfrm>
-            <a:off x="3772576" y="6050500"/>
-            <a:ext cx="4646850" cy="584775"/>
-          </a:xfrm>
-          <a:prstGeom prst="rect">
-            <a:avLst/>
-          </a:prstGeom>
-        </p:spPr>
-        <p:txBody>
-          <a:bodyPr wrap="none">
-            <a:spAutoFit/>
-          </a:bodyPr>
-          <a:lstStyle/>
-          <a:p>
-            <a:r>
-              <a:rPr lang="en-US" sz="3200" b="1" dirty="0">
-                <a:hlinkClick r:id="rId3"/>
-              </a:rPr>
-              <a:t>https://webref.ru/css/flex</a:t>
-            </a:r>
-            <a:endParaRPr lang="uk-UA" sz="3200" b="1" dirty="0"/>
-          </a:p>
-        </p:txBody>
-      </p:sp>
     </p:spTree>
     <p:extLst>
       <p:ext uri="{BB962C8B-B14F-4D97-AF65-F5344CB8AC3E}">
